--- a/documents/presentation.pptx
+++ b/documents/presentation.pptx
@@ -213,7 +213,7 @@
           <a:p>
             <a:fld id="{C7C77424-7BBE-D945-91B3-132A35D979AD}" type="datetimeFigureOut">
               <a:rPr lang="en-GB" smtClean="0"/>
-              <a:t>11/11/2023</a:t>
+              <a:t>13/11/2023</a:t>
             </a:fld>
             <a:endParaRPr lang="en-GB"/>
           </a:p>
@@ -703,7 +703,7 @@
           <a:p>
             <a:fld id="{1D8BD707-D9CF-40AE-B4C6-C98DA3205C09}" type="datetimeFigureOut">
               <a:rPr lang="en-US"/>
-              <a:t>11/11/23</a:t>
+              <a:t>11/13/2023</a:t>
             </a:fld>
             <a:endParaRPr lang="en-US"/>
           </a:p>
@@ -874,7 +874,7 @@
           <a:p>
             <a:fld id="{1D8BD707-D9CF-40AE-B4C6-C98DA3205C09}" type="datetimeFigureOut">
               <a:rPr lang="en-US"/>
-              <a:t>11/11/23</a:t>
+              <a:t>11/13/2023</a:t>
             </a:fld>
             <a:endParaRPr lang="en-US"/>
           </a:p>
@@ -1088,7 +1088,7 @@
           <a:p>
             <a:fld id="{1D8BD707-D9CF-40AE-B4C6-C98DA3205C09}" type="datetimeFigureOut">
               <a:rPr lang="en-US"/>
-              <a:t>11/11/23</a:t>
+              <a:t>11/13/2023</a:t>
             </a:fld>
             <a:endParaRPr lang="en-US"/>
           </a:p>
@@ -1236,7 +1236,7 @@
           <a:p>
             <a:fld id="{1D8BD707-D9CF-40AE-B4C6-C98DA3205C09}" type="datetimeFigureOut">
               <a:rPr lang="en-US"/>
-              <a:t>11/11/23</a:t>
+              <a:t>11/13/2023</a:t>
             </a:fld>
             <a:endParaRPr lang="en-US"/>
           </a:p>
@@ -1355,7 +1355,7 @@
           <a:p>
             <a:fld id="{1D8BD707-D9CF-40AE-B4C6-C98DA3205C09}" type="datetimeFigureOut">
               <a:rPr lang="en-US"/>
-              <a:t>11/11/23</a:t>
+              <a:t>11/13/2023</a:t>
             </a:fld>
             <a:endParaRPr lang="en-US"/>
           </a:p>
@@ -1596,7 +1596,7 @@
           <a:p>
             <a:fld id="{1D8BD707-D9CF-40AE-B4C6-C98DA3205C09}" type="datetimeFigureOut">
               <a:rPr lang="en-US"/>
-              <a:t>11/11/23</a:t>
+              <a:t>11/13/2023</a:t>
             </a:fld>
             <a:endParaRPr lang="en-US"/>
           </a:p>
@@ -3377,87 +3377,6 @@
           </p:spPr>
         </p:pic>
       </p:grpSp>
-      <p:grpSp>
-        <p:nvGrpSpPr>
-          <p:cNvPr id="16" name="object 16"/>
-          <p:cNvGrpSpPr/>
-          <p:nvPr/>
-        </p:nvGrpSpPr>
-        <p:grpSpPr>
-          <a:xfrm>
-            <a:off x="57277" y="1348450"/>
-            <a:ext cx="6765290" cy="3737610"/>
-            <a:chOff x="0" y="1405888"/>
-            <a:chExt cx="6765290" cy="3737610"/>
-          </a:xfrm>
-        </p:grpSpPr>
-        <p:pic>
-          <p:nvPicPr>
-            <p:cNvPr id="17" name="object 17"/>
-            <p:cNvPicPr/>
-            <p:nvPr/>
-          </p:nvPicPr>
-          <p:blipFill>
-            <a:blip r:embed="rId12" cstate="print"/>
-            <a:stretch>
-              <a:fillRect/>
-            </a:stretch>
-          </p:blipFill>
-          <p:spPr>
-            <a:xfrm>
-              <a:off x="0" y="1627631"/>
-              <a:ext cx="3124200" cy="3514344"/>
-            </a:xfrm>
-            <a:prstGeom prst="rect">
-              <a:avLst/>
-            </a:prstGeom>
-          </p:spPr>
-        </p:pic>
-        <p:pic>
-          <p:nvPicPr>
-            <p:cNvPr id="18" name="object 18"/>
-            <p:cNvPicPr/>
-            <p:nvPr/>
-          </p:nvPicPr>
-          <p:blipFill>
-            <a:blip r:embed="rId13" cstate="print"/>
-            <a:stretch>
-              <a:fillRect/>
-            </a:stretch>
-          </p:blipFill>
-          <p:spPr>
-            <a:xfrm>
-              <a:off x="0" y="1726676"/>
-              <a:ext cx="2996649" cy="3416823"/>
-            </a:xfrm>
-            <a:prstGeom prst="rect">
-              <a:avLst/>
-            </a:prstGeom>
-          </p:spPr>
-        </p:pic>
-        <p:pic>
-          <p:nvPicPr>
-            <p:cNvPr id="19" name="object 19"/>
-            <p:cNvPicPr/>
-            <p:nvPr/>
-          </p:nvPicPr>
-          <p:blipFill>
-            <a:blip r:embed="rId14" cstate="print"/>
-            <a:stretch>
-              <a:fillRect/>
-            </a:stretch>
-          </p:blipFill>
-          <p:spPr>
-            <a:xfrm>
-              <a:off x="2473662" y="1405888"/>
-              <a:ext cx="4291575" cy="2545575"/>
-            </a:xfrm>
-            <a:prstGeom prst="rect">
-              <a:avLst/>
-            </a:prstGeom>
-          </p:spPr>
-        </p:pic>
-      </p:grpSp>
       <p:sp>
         <p:nvSpPr>
           <p:cNvPr id="20" name="object 20"/>
@@ -3512,6 +3431,36 @@
           </a:p>
         </p:txBody>
       </p:sp>
+      <p:pic>
+        <p:nvPicPr>
+          <p:cNvPr id="22" name="Picture 21">
+            <a:extLst>
+              <a:ext uri="{FF2B5EF4-FFF2-40B4-BE49-F238E27FC236}">
+                <a16:creationId xmlns:a16="http://schemas.microsoft.com/office/drawing/2014/main" id="{BAC2E085-2F55-168F-2293-E591356B591C}"/>
+              </a:ext>
+            </a:extLst>
+          </p:cNvPr>
+          <p:cNvPicPr>
+            <a:picLocks noChangeAspect="1"/>
+          </p:cNvPicPr>
+          <p:nvPr/>
+        </p:nvPicPr>
+        <p:blipFill>
+          <a:blip r:embed="rId12"/>
+          <a:stretch>
+            <a:fillRect/>
+          </a:stretch>
+        </p:blipFill>
+        <p:spPr>
+          <a:xfrm>
+            <a:off x="2234263" y="1419318"/>
+            <a:ext cx="4592993" cy="2533564"/>
+          </a:xfrm>
+          <a:prstGeom prst="rect">
+            <a:avLst/>
+          </a:prstGeom>
+        </p:spPr>
+      </p:pic>
     </p:spTree>
   </p:cSld>
   <p:clrMapOvr>
